--- a/pirc/ASurveyofTechniquesforFineGrainedAllevatoSharp.pptx
+++ b/pirc/ASurveyofTechniquesforFineGrainedAllevatoSharp.pptx
@@ -6,8 +6,6 @@
   </p:sldMasterIdLst>
   <p:sldIdLst>
     <p:sldId id="258" r:id="rId2"/>
-    <p:sldId id="257" r:id="rId3"/>
-    <p:sldId id="256" r:id="rId4"/>
   </p:sldIdLst>
   <p:sldSz cx="36576000" cy="27432000"/>
   <p:notesSz cx="9144000" cy="6858000"/>
@@ -106,6 +104,11 @@
       </a:defRPr>
     </a:lvl9pPr>
   </p:defaultTextStyle>
+  <p:extLst>
+    <p:ext uri="{EFAFB233-063F-42B5-8137-9DF3F51BA10A}">
+      <p15:sldGuideLst xmlns:p15="http://schemas.microsoft.com/office/powerpoint/2012/main"/>
+    </p:ext>
+  </p:extLst>
 </p:presentation>
 </file>
 
@@ -1395,7 +1398,7 @@
           <a:p>
             <a:fld id="{ED6E02A4-1C0A-4B08-AE3E-EFA6CE72E92C}" type="datetimeFigureOut">
               <a:rPr lang="en-US" smtClean="0"/>
-              <a:t>4/24/2016</a:t>
+              <a:t>4/25/2016</a:t>
             </a:fld>
             <a:endParaRPr lang="en-US"/>
           </a:p>
@@ -1565,7 +1568,7 @@
           <a:p>
             <a:fld id="{ED6E02A4-1C0A-4B08-AE3E-EFA6CE72E92C}" type="datetimeFigureOut">
               <a:rPr lang="en-US" smtClean="0"/>
-              <a:t>4/24/2016</a:t>
+              <a:t>4/25/2016</a:t>
             </a:fld>
             <a:endParaRPr lang="en-US"/>
           </a:p>
@@ -1745,7 +1748,7 @@
           <a:p>
             <a:fld id="{ED6E02A4-1C0A-4B08-AE3E-EFA6CE72E92C}" type="datetimeFigureOut">
               <a:rPr lang="en-US" smtClean="0"/>
-              <a:t>4/24/2016</a:t>
+              <a:t>4/25/2016</a:t>
             </a:fld>
             <a:endParaRPr lang="en-US"/>
           </a:p>
@@ -1915,7 +1918,7 @@
           <a:p>
             <a:fld id="{ED6E02A4-1C0A-4B08-AE3E-EFA6CE72E92C}" type="datetimeFigureOut">
               <a:rPr lang="en-US" smtClean="0"/>
-              <a:t>4/24/2016</a:t>
+              <a:t>4/25/2016</a:t>
             </a:fld>
             <a:endParaRPr lang="en-US"/>
           </a:p>
@@ -2159,7 +2162,7 @@
           <a:p>
             <a:fld id="{ED6E02A4-1C0A-4B08-AE3E-EFA6CE72E92C}" type="datetimeFigureOut">
               <a:rPr lang="en-US" smtClean="0"/>
-              <a:t>4/24/2016</a:t>
+              <a:t>4/25/2016</a:t>
             </a:fld>
             <a:endParaRPr lang="en-US"/>
           </a:p>
@@ -2391,7 +2394,7 @@
           <a:p>
             <a:fld id="{ED6E02A4-1C0A-4B08-AE3E-EFA6CE72E92C}" type="datetimeFigureOut">
               <a:rPr lang="en-US" smtClean="0"/>
-              <a:t>4/24/2016</a:t>
+              <a:t>4/25/2016</a:t>
             </a:fld>
             <a:endParaRPr lang="en-US"/>
           </a:p>
@@ -2758,7 +2761,7 @@
           <a:p>
             <a:fld id="{ED6E02A4-1C0A-4B08-AE3E-EFA6CE72E92C}" type="datetimeFigureOut">
               <a:rPr lang="en-US" smtClean="0"/>
-              <a:t>4/24/2016</a:t>
+              <a:t>4/25/2016</a:t>
             </a:fld>
             <a:endParaRPr lang="en-US"/>
           </a:p>
@@ -2876,7 +2879,7 @@
           <a:p>
             <a:fld id="{ED6E02A4-1C0A-4B08-AE3E-EFA6CE72E92C}" type="datetimeFigureOut">
               <a:rPr lang="en-US" smtClean="0"/>
-              <a:t>4/24/2016</a:t>
+              <a:t>4/25/2016</a:t>
             </a:fld>
             <a:endParaRPr lang="en-US"/>
           </a:p>
@@ -2971,7 +2974,7 @@
           <a:p>
             <a:fld id="{ED6E02A4-1C0A-4B08-AE3E-EFA6CE72E92C}" type="datetimeFigureOut">
               <a:rPr lang="en-US" smtClean="0"/>
-              <a:t>4/24/2016</a:t>
+              <a:t>4/25/2016</a:t>
             </a:fld>
             <a:endParaRPr lang="en-US"/>
           </a:p>
@@ -3248,7 +3251,7 @@
           <a:p>
             <a:fld id="{ED6E02A4-1C0A-4B08-AE3E-EFA6CE72E92C}" type="datetimeFigureOut">
               <a:rPr lang="en-US" smtClean="0"/>
-              <a:t>4/24/2016</a:t>
+              <a:t>4/25/2016</a:t>
             </a:fld>
             <a:endParaRPr lang="en-US"/>
           </a:p>
@@ -3505,7 +3508,7 @@
           <a:p>
             <a:fld id="{ED6E02A4-1C0A-4B08-AE3E-EFA6CE72E92C}" type="datetimeFigureOut">
               <a:rPr lang="en-US" smtClean="0"/>
-              <a:t>4/24/2016</a:t>
+              <a:t>4/25/2016</a:t>
             </a:fld>
             <a:endParaRPr lang="en-US"/>
           </a:p>
@@ -3718,7 +3721,7 @@
           <a:p>
             <a:fld id="{ED6E02A4-1C0A-4B08-AE3E-EFA6CE72E92C}" type="datetimeFigureOut">
               <a:rPr lang="en-US" smtClean="0"/>
-              <a:t>4/24/2016</a:t>
+              <a:t>4/25/2016</a:t>
             </a:fld>
             <a:endParaRPr lang="en-US"/>
           </a:p>
@@ -4890,57 +4893,6 @@
       </p:sp>
       <p:sp>
         <p:nvSpPr>
-          <p:cNvPr id="30" name="Rectangle 29"/>
-          <p:cNvSpPr/>
-          <p:nvPr/>
-        </p:nvSpPr>
-        <p:spPr>
-          <a:xfrm>
-            <a:off x="12963625" y="23657668"/>
-            <a:ext cx="10645994" cy="2900100"/>
-          </a:xfrm>
-          <a:prstGeom prst="rect">
-            <a:avLst/>
-          </a:prstGeom>
-          <a:solidFill>
-            <a:schemeClr val="bg1"/>
-          </a:solidFill>
-          <a:ln w="38100">
-            <a:solidFill>
-              <a:srgbClr val="CBCFD2"/>
-            </a:solidFill>
-            <a:prstDash val="lgDash"/>
-          </a:ln>
-        </p:spPr>
-        <p:style>
-          <a:lnRef idx="2">
-            <a:schemeClr val="accent1">
-              <a:shade val="50000"/>
-            </a:schemeClr>
-          </a:lnRef>
-          <a:fillRef idx="1">
-            <a:schemeClr val="accent1"/>
-          </a:fillRef>
-          <a:effectRef idx="0">
-            <a:schemeClr val="accent1"/>
-          </a:effectRef>
-          <a:fontRef idx="minor">
-            <a:schemeClr val="lt1"/>
-          </a:fontRef>
-        </p:style>
-        <p:txBody>
-          <a:bodyPr rtlCol="0" anchor="ctr"/>
-          <a:lstStyle/>
-          <a:p>
-            <a:pPr algn="ctr"/>
-            <a:endParaRPr lang="en-US" dirty="0">
-              <a:latin typeface="Myriad Pro" panose="020B0503030403020204" pitchFamily="34" charset="0"/>
-            </a:endParaRPr>
-          </a:p>
-        </p:txBody>
-      </p:sp>
-      <p:sp>
-        <p:nvSpPr>
           <p:cNvPr id="32" name="TextBox 31"/>
           <p:cNvSpPr txBox="1"/>
           <p:nvPr/>
@@ -5018,13 +4970,13 @@
       </p:sp>
       <p:sp>
         <p:nvSpPr>
-          <p:cNvPr id="34" name="TextBox 33"/>
+          <p:cNvPr id="35" name="TextBox 34"/>
           <p:cNvSpPr txBox="1"/>
           <p:nvPr/>
         </p:nvSpPr>
         <p:spPr>
           <a:xfrm>
-            <a:off x="12974147" y="23773495"/>
+            <a:off x="12963625" y="15463170"/>
             <a:ext cx="10645994" cy="830997"/>
           </a:xfrm>
           <a:prstGeom prst="rect">
@@ -5038,51 +4990,16 @@
           </a:bodyPr>
           <a:lstStyle/>
           <a:p>
-            <a:r>
-              <a:rPr lang="en-US" sz="4800" dirty="0">
+            <a:pPr algn="ctr"/>
+            <a:r>
+              <a:rPr lang="en-US" sz="4800" i="1" dirty="0">
                 <a:solidFill>
                   <a:srgbClr val="323F48"/>
                 </a:solidFill>
                 <a:latin typeface="Myriad Pro" panose="020B0503030403020204" pitchFamily="34" charset="0"/>
                 <a:cs typeface="Myriad Arabic" panose="01010101010101010101" pitchFamily="50" charset="-78"/>
               </a:rPr>
-              <a:t>Text in the Wild</a:t>
-            </a:r>
-          </a:p>
-        </p:txBody>
-      </p:sp>
-      <p:sp>
-        <p:nvSpPr>
-          <p:cNvPr id="35" name="TextBox 34"/>
-          <p:cNvSpPr txBox="1"/>
-          <p:nvPr/>
-        </p:nvSpPr>
-        <p:spPr>
-          <a:xfrm>
-            <a:off x="12963625" y="15463170"/>
-            <a:ext cx="10645994" cy="830997"/>
-          </a:xfrm>
-          <a:prstGeom prst="rect">
-            <a:avLst/>
-          </a:prstGeom>
-          <a:noFill/>
-        </p:spPr>
-        <p:txBody>
-          <a:bodyPr wrap="square" rtlCol="0">
-            <a:spAutoFit/>
-          </a:bodyPr>
-          <a:lstStyle/>
-          <a:p>
-            <a:pPr algn="ctr"/>
-            <a:r>
-              <a:rPr lang="en-US" sz="4800" i="1" dirty="0">
-                <a:solidFill>
-                  <a:srgbClr val="323F48"/>
-                </a:solidFill>
-                <a:latin typeface="Myriad Pro" panose="020B0503030403020204" pitchFamily="34" charset="0"/>
-                <a:cs typeface="Myriad Arabic" panose="01010101010101010101" pitchFamily="50" charset="-78"/>
-              </a:rPr>
-              <a:t>Architectures</a:t>
+              <a:t>Approaches</a:t>
             </a:r>
           </a:p>
         </p:txBody>
@@ -5685,7 +5602,7 @@
                 <a:latin typeface="Myriad Pro" panose="020B0503030403020204" pitchFamily="34" charset="0"/>
                 <a:cs typeface="Myriad Arabic" panose="01010101010101010101" pitchFamily="50" charset="-78"/>
               </a:rPr>
-              <a:t>Approach: Siamese Networks</a:t>
+              <a:t>Key Idea: Siamese Networks</a:t>
             </a:r>
           </a:p>
         </p:txBody>
@@ -5765,8 +5682,8 @@
           </a:p>
         </p:txBody>
       </p:sp>
-      <mc:AlternateContent xmlns:mc="http://schemas.openxmlformats.org/markup-compatibility/2006">
-        <mc:Choice xmlns:a14="http://schemas.microsoft.com/office/drawing/2010/main" Requires="a14">
+      <mc:AlternateContent xmlns:mc="http://schemas.openxmlformats.org/markup-compatibility/2006" xmlns:a14="http://schemas.microsoft.com/office/drawing/2010/main">
+        <mc:Choice Requires="a14">
           <p:sp>
             <p:nvSpPr>
               <p:cNvPr id="62" name="TextBox 61"/>
@@ -5789,6 +5706,7 @@
               </a:bodyPr>
               <a:lstStyle/>
               <a:p>
+                <a:pPr/>
                 <a14:m>
                   <m:oMathPara xmlns:m="http://schemas.openxmlformats.org/officeDocument/2006/math">
                     <m:oMathParaPr>
@@ -6030,7 +5948,7 @@
             </p:txBody>
           </p:sp>
         </mc:Choice>
-        <mc:Fallback>
+        <mc:Fallback xmlns="">
           <p:sp>
             <p:nvSpPr>
               <p:cNvPr id="62" name="TextBox 61"/>
@@ -6077,7 +5995,7 @@
         </p:nvSpPr>
         <p:spPr>
           <a:xfrm>
-            <a:off x="8847522" y="21983019"/>
+            <a:off x="8845638" y="21795156"/>
             <a:ext cx="2339167" cy="461665"/>
           </a:xfrm>
           <a:prstGeom prst="rect">
@@ -6126,8 +6044,8 @@
           </a:graphicData>
         </a:graphic>
       </p:graphicFrame>
-      <mc:AlternateContent xmlns:mc="http://schemas.openxmlformats.org/markup-compatibility/2006">
-        <mc:Choice xmlns:a14="http://schemas.microsoft.com/office/drawing/2010/main" Requires="a14">
+      <mc:AlternateContent xmlns:mc="http://schemas.openxmlformats.org/markup-compatibility/2006" xmlns:a14="http://schemas.microsoft.com/office/drawing/2010/main">
+        <mc:Choice Requires="a14">
           <p:sp>
             <p:nvSpPr>
               <p:cNvPr id="68" name="TextBox 67"/>
@@ -6150,6 +6068,7 @@
               </a:bodyPr>
               <a:lstStyle/>
               <a:p>
+                <a:pPr/>
                 <a14:m>
                   <m:oMathPara xmlns:m="http://schemas.openxmlformats.org/officeDocument/2006/math">
                     <m:oMathParaPr>
@@ -6366,7 +6285,7 @@
             </p:txBody>
           </p:sp>
         </mc:Choice>
-        <mc:Fallback>
+        <mc:Fallback xmlns="">
           <p:sp>
             <p:nvSpPr>
               <p:cNvPr id="68" name="TextBox 67"/>
@@ -6454,8 +6373,21 @@
                   <a:srgbClr val="323F48"/>
                 </a:solidFill>
               </a:rPr>
-              <a:t>- Networks were tested on selective search images (SS) and raw images (Full).</a:t>
-            </a:r>
+              <a:t>- Networks were tested on selective search images (SS) and raw images (Full), as well as both together </a:t>
+            </a:r>
+            <a:r>
+              <a:rPr lang="en-US" sz="3600">
+                <a:solidFill>
+                  <a:srgbClr val="323F48"/>
+                </a:solidFill>
+              </a:rPr>
+              <a:t>(Comb)</a:t>
+            </a:r>
+            <a:endParaRPr lang="en-US" sz="3600" dirty="0">
+              <a:solidFill>
+                <a:srgbClr val="323F48"/>
+              </a:solidFill>
+            </a:endParaRPr>
           </a:p>
         </p:txBody>
       </p:sp>
@@ -7978,7 +7910,7 @@
         <p:spPr>
           <a:xfrm>
             <a:off x="18115535" y="20947705"/>
-            <a:ext cx="5229657" cy="1200329"/>
+            <a:ext cx="5229657" cy="1754326"/>
           </a:xfrm>
           <a:prstGeom prst="rect">
             <a:avLst/>
@@ -8010,7 +7942,17 @@
                   <a:srgbClr val="323F48"/>
                 </a:solidFill>
               </a:rPr>
-              <a:t>20000 iterations</a:t>
+              <a:t>10000 iterations</a:t>
+            </a:r>
+          </a:p>
+          <a:p>
+            <a:r>
+              <a:rPr lang="en-US" sz="3600" dirty="0">
+                <a:solidFill>
+                  <a:srgbClr val="323F48"/>
+                </a:solidFill>
+              </a:rPr>
+              <a:t>Mirrored training images</a:t>
             </a:r>
           </a:p>
         </p:txBody>
@@ -8185,63 +8127,64 @@
           </a:p>
         </p:txBody>
       </p:sp>
-    </p:spTree>
-    <p:extLst>
-      <p:ext uri="{BB962C8B-B14F-4D97-AF65-F5344CB8AC3E}">
-        <p14:creationId xmlns:p14="http://schemas.microsoft.com/office/powerpoint/2010/main" val="1111522790"/>
-      </p:ext>
-    </p:extLst>
-  </p:cSld>
-  <p:clrMapOvr>
-    <a:masterClrMapping/>
-  </p:clrMapOvr>
-</p:sld>
-</file>
-
-<file path=ppt/slides/slide2.xml><?xml version="1.0" encoding="utf-8"?>
-<p:sld xmlns:a="http://schemas.openxmlformats.org/drawingml/2006/main" xmlns:r="http://schemas.openxmlformats.org/officeDocument/2006/relationships" xmlns:p="http://schemas.openxmlformats.org/presentationml/2006/main">
-  <p:cSld>
-    <p:bg>
-      <p:bgPr>
-        <a:solidFill>
-          <a:srgbClr val="333F48"/>
-        </a:solidFill>
-        <a:effectLst/>
-      </p:bgPr>
-    </p:bg>
-    <p:spTree>
-      <p:nvGrpSpPr>
-        <p:cNvPr id="1" name=""/>
-        <p:cNvGrpSpPr/>
-        <p:nvPr/>
-      </p:nvGrpSpPr>
-      <p:grpSpPr>
-        <a:xfrm>
-          <a:off x="0" y="0"/>
-          <a:ext cx="0" cy="0"/>
-          <a:chOff x="0" y="0"/>
-          <a:chExt cx="0" cy="0"/>
-        </a:xfrm>
-      </p:grpSpPr>
-      <p:sp>
-        <p:nvSpPr>
-          <p:cNvPr id="2" name="Rectangle 1"/>
-          <p:cNvSpPr/>
-          <p:nvPr/>
-        </p:nvSpPr>
-        <p:spPr>
-          <a:xfrm>
-            <a:off x="7042826" y="5680953"/>
-            <a:ext cx="7587574" cy="6926094"/>
+      <p:sp>
+        <p:nvSpPr>
+          <p:cNvPr id="89" name="TextBox 88"/>
+          <p:cNvSpPr txBox="1"/>
+          <p:nvPr/>
+        </p:nvSpPr>
+        <p:spPr>
+          <a:xfrm>
+            <a:off x="25079426" y="16566540"/>
+            <a:ext cx="10620164" cy="646331"/>
           </a:xfrm>
           <a:prstGeom prst="rect">
             <a:avLst/>
           </a:prstGeom>
-          <a:solidFill>
-            <a:srgbClr val="BF5700"/>
-          </a:solidFill>
+          <a:noFill/>
           <a:ln>
             <a:noFill/>
+          </a:ln>
+        </p:spPr>
+        <p:txBody>
+          <a:bodyPr wrap="square" rtlCol="0">
+            <a:spAutoFit/>
+          </a:bodyPr>
+          <a:lstStyle/>
+          <a:p>
+            <a:r>
+              <a:rPr lang="en-US" sz="3600" dirty="0">
+                <a:solidFill>
+                  <a:srgbClr val="323F48"/>
+                </a:solidFill>
+              </a:rPr>
+              <a:t>        CQ            Ref 1       Ref 2       Ref 3       Ref 4       Ref 5</a:t>
+            </a:r>
+          </a:p>
+        </p:txBody>
+      </p:sp>
+      <p:sp>
+        <p:nvSpPr>
+          <p:cNvPr id="91" name="Rectangle 90"/>
+          <p:cNvSpPr/>
+          <p:nvPr/>
+        </p:nvSpPr>
+        <p:spPr>
+          <a:xfrm>
+            <a:off x="12931881" y="23537200"/>
+            <a:ext cx="10645994" cy="2900100"/>
+          </a:xfrm>
+          <a:prstGeom prst="rect">
+            <a:avLst/>
+          </a:prstGeom>
+          <a:solidFill>
+            <a:schemeClr val="bg1"/>
+          </a:solidFill>
+          <a:ln w="38100">
+            <a:solidFill>
+              <a:srgbClr val="CBCFD2"/>
+            </a:solidFill>
+            <a:prstDash val="lgDash"/>
           </a:ln>
         </p:spPr>
         <p:style>
@@ -8265,20 +8208,113 @@
           <a:lstStyle/>
           <a:p>
             <a:pPr algn="ctr"/>
-            <a:endParaRPr lang="en-US"/>
-          </a:p>
-        </p:txBody>
-      </p:sp>
-      <p:sp>
-        <p:nvSpPr>
-          <p:cNvPr id="9" name="Rectangle 8"/>
+            <a:endParaRPr lang="en-US" dirty="0">
+              <a:latin typeface="Myriad Pro" panose="020B0503030403020204" pitchFamily="34" charset="0"/>
+            </a:endParaRPr>
+          </a:p>
+        </p:txBody>
+      </p:sp>
+      <p:sp>
+        <p:nvSpPr>
+          <p:cNvPr id="92" name="TextBox 91"/>
+          <p:cNvSpPr txBox="1"/>
+          <p:nvPr/>
+        </p:nvSpPr>
+        <p:spPr>
+          <a:xfrm>
+            <a:off x="12931881" y="23740754"/>
+            <a:ext cx="10645994" cy="830997"/>
+          </a:xfrm>
+          <a:prstGeom prst="rect">
+            <a:avLst/>
+          </a:prstGeom>
+          <a:noFill/>
+        </p:spPr>
+        <p:txBody>
+          <a:bodyPr wrap="square" rtlCol="0">
+            <a:spAutoFit/>
+          </a:bodyPr>
+          <a:lstStyle/>
+          <a:p>
+            <a:r>
+              <a:rPr lang="en-US" sz="4800" dirty="0">
+                <a:solidFill>
+                  <a:srgbClr val="323F48"/>
+                </a:solidFill>
+                <a:latin typeface="Myriad Pro" panose="020B0503030403020204" pitchFamily="34" charset="0"/>
+                <a:cs typeface="Myriad Arabic" panose="01010101010101010101" pitchFamily="50" charset="-78"/>
+              </a:rPr>
+              <a:t>Hard Negative Mining</a:t>
+            </a:r>
+          </a:p>
+        </p:txBody>
+      </p:sp>
+      <p:sp>
+        <p:nvSpPr>
+          <p:cNvPr id="93" name="TextBox 92"/>
+          <p:cNvSpPr txBox="1"/>
+          <p:nvPr/>
+        </p:nvSpPr>
+        <p:spPr>
+          <a:xfrm>
+            <a:off x="12968233" y="24471936"/>
+            <a:ext cx="5857076" cy="1754326"/>
+          </a:xfrm>
+          <a:prstGeom prst="rect">
+            <a:avLst/>
+          </a:prstGeom>
+          <a:noFill/>
+          <a:ln>
+            <a:noFill/>
+          </a:ln>
+        </p:spPr>
+        <p:txBody>
+          <a:bodyPr wrap="square" rtlCol="0">
+            <a:spAutoFit/>
+          </a:bodyPr>
+          <a:lstStyle/>
+          <a:p>
+            <a:r>
+              <a:rPr lang="en-US" sz="3600" dirty="0">
+                <a:solidFill>
+                  <a:srgbClr val="323F48"/>
+                </a:solidFill>
+              </a:rPr>
+              <a:t>- Test networks on training set</a:t>
+            </a:r>
+          </a:p>
+          <a:p>
+            <a:r>
+              <a:rPr lang="en-US" sz="3600" dirty="0">
+                <a:solidFill>
+                  <a:srgbClr val="323F48"/>
+                </a:solidFill>
+              </a:rPr>
+              <a:t>- Generate new training pairs</a:t>
+            </a:r>
+          </a:p>
+          <a:p>
+            <a:r>
+              <a:rPr lang="en-US" sz="3600" dirty="0">
+                <a:solidFill>
+                  <a:srgbClr val="323F48"/>
+                </a:solidFill>
+              </a:rPr>
+              <a:t>from false matches</a:t>
+            </a:r>
+          </a:p>
+        </p:txBody>
+      </p:sp>
+      <p:sp>
+        <p:nvSpPr>
+          <p:cNvPr id="95" name="Rectangle 94"/>
           <p:cNvSpPr/>
           <p:nvPr/>
         </p:nvSpPr>
         <p:spPr>
           <a:xfrm>
-            <a:off x="15113541" y="5680953"/>
-            <a:ext cx="7587574" cy="6926094"/>
+            <a:off x="18682183" y="24722188"/>
+            <a:ext cx="1730345" cy="661174"/>
           </a:xfrm>
           <a:prstGeom prst="rect">
             <a:avLst/>
@@ -8311,69 +8347,29 @@
           <a:lstStyle/>
           <a:p>
             <a:pPr algn="ctr"/>
-            <a:endParaRPr lang="en-US" dirty="0"/>
-          </a:p>
-        </p:txBody>
-      </p:sp>
-    </p:spTree>
-    <p:extLst>
-      <p:ext uri="{BB962C8B-B14F-4D97-AF65-F5344CB8AC3E}">
-        <p14:creationId xmlns:p14="http://schemas.microsoft.com/office/powerpoint/2010/main" val="919190479"/>
-      </p:ext>
-    </p:extLst>
-  </p:cSld>
-  <p:clrMapOvr>
-    <a:masterClrMapping/>
-  </p:clrMapOvr>
-</p:sld>
-</file>
-
-<file path=ppt/slides/slide3.xml><?xml version="1.0" encoding="utf-8"?>
-<p:sld xmlns:a="http://schemas.openxmlformats.org/drawingml/2006/main" xmlns:r="http://schemas.openxmlformats.org/officeDocument/2006/relationships" xmlns:p="http://schemas.openxmlformats.org/presentationml/2006/main">
-  <p:cSld>
-    <p:bg>
-      <p:bgPr>
-        <a:solidFill>
-          <a:schemeClr val="bg1">
-            <a:lumMod val="85000"/>
-          </a:schemeClr>
-        </a:solidFill>
-        <a:effectLst/>
-      </p:bgPr>
-    </p:bg>
-    <p:spTree>
-      <p:nvGrpSpPr>
-        <p:cNvPr id="1" name=""/>
-        <p:cNvGrpSpPr/>
-        <p:nvPr/>
-      </p:nvGrpSpPr>
-      <p:grpSpPr>
-        <a:xfrm>
-          <a:off x="0" y="0"/>
-          <a:ext cx="0" cy="0"/>
-          <a:chOff x="0" y="0"/>
-          <a:chExt cx="0" cy="0"/>
-        </a:xfrm>
-      </p:grpSpPr>
-      <p:sp>
-        <p:nvSpPr>
-          <p:cNvPr id="5" name="Rectangle 4"/>
+            <a:r>
+              <a:rPr lang="en-US" sz="3600" dirty="0"/>
+              <a:t>Training</a:t>
+            </a:r>
+          </a:p>
+        </p:txBody>
+      </p:sp>
+      <p:sp>
+        <p:nvSpPr>
+          <p:cNvPr id="96" name="Rectangle 95"/>
           <p:cNvSpPr/>
           <p:nvPr/>
         </p:nvSpPr>
         <p:spPr>
           <a:xfrm>
-            <a:off x="237744" y="201168"/>
-            <a:ext cx="36082224" cy="3438144"/>
+            <a:off x="19980526" y="23848740"/>
+            <a:ext cx="2072487" cy="661174"/>
           </a:xfrm>
           <a:prstGeom prst="rect">
             <a:avLst/>
           </a:prstGeom>
           <a:solidFill>
-            <a:schemeClr val="accent5">
-              <a:lumMod val="60000"/>
-              <a:lumOff val="40000"/>
-            </a:schemeClr>
+            <a:srgbClr val="005F86"/>
           </a:solidFill>
           <a:ln>
             <a:noFill/>
@@ -8381,15 +8377,15 @@
         </p:spPr>
         <p:style>
           <a:lnRef idx="2">
-            <a:schemeClr val="accent6">
+            <a:schemeClr val="accent1">
               <a:shade val="50000"/>
             </a:schemeClr>
           </a:lnRef>
           <a:fillRef idx="1">
-            <a:schemeClr val="accent6"/>
+            <a:schemeClr val="accent1"/>
           </a:fillRef>
           <a:effectRef idx="0">
-            <a:schemeClr val="accent6"/>
+            <a:schemeClr val="accent1"/>
           </a:effectRef>
           <a:fontRef idx="minor">
             <a:schemeClr val="lt1"/>
@@ -8400,146 +8396,271 @@
           <a:lstStyle/>
           <a:p>
             <a:pPr algn="ctr"/>
-            <a:endParaRPr lang="en-US"/>
-          </a:p>
-        </p:txBody>
-      </p:sp>
-      <p:sp>
-        <p:nvSpPr>
-          <p:cNvPr id="4" name="TextBox 3"/>
-          <p:cNvSpPr txBox="1"/>
-          <p:nvPr/>
-        </p:nvSpPr>
-        <p:spPr>
-          <a:xfrm>
-            <a:off x="274320" y="350580"/>
-            <a:ext cx="36045648" cy="1569660"/>
+            <a:r>
+              <a:rPr lang="en-US" sz="3600" dirty="0"/>
+              <a:t>Network</a:t>
+            </a:r>
+          </a:p>
+        </p:txBody>
+      </p:sp>
+      <p:sp>
+        <p:nvSpPr>
+          <p:cNvPr id="98" name="Rectangle 97"/>
+          <p:cNvSpPr/>
+          <p:nvPr/>
+        </p:nvSpPr>
+        <p:spPr>
+          <a:xfrm>
+            <a:off x="19944879" y="25666475"/>
+            <a:ext cx="2072487" cy="661174"/>
           </a:xfrm>
           <a:prstGeom prst="rect">
             <a:avLst/>
           </a:prstGeom>
-          <a:noFill/>
-        </p:spPr>
-        <p:txBody>
-          <a:bodyPr wrap="square" rtlCol="0">
-            <a:spAutoFit/>
-          </a:bodyPr>
+          <a:solidFill>
+            <a:srgbClr val="005F86"/>
+          </a:solidFill>
+          <a:ln>
+            <a:noFill/>
+          </a:ln>
+        </p:spPr>
+        <p:style>
+          <a:lnRef idx="2">
+            <a:schemeClr val="accent1">
+              <a:shade val="50000"/>
+            </a:schemeClr>
+          </a:lnRef>
+          <a:fillRef idx="1">
+            <a:schemeClr val="accent1"/>
+          </a:fillRef>
+          <a:effectRef idx="0">
+            <a:schemeClr val="accent1"/>
+          </a:effectRef>
+          <a:fontRef idx="minor">
+            <a:schemeClr val="lt1"/>
+          </a:fontRef>
+        </p:style>
+        <p:txBody>
+          <a:bodyPr rtlCol="0" anchor="ctr"/>
           <a:lstStyle/>
           <a:p>
             <a:pPr algn="ctr"/>
             <a:r>
-              <a:rPr lang="en-US" sz="9600" dirty="0">
-                <a:latin typeface="Myriad Pro" panose="020B0503030403020204" pitchFamily="34" charset="0"/>
-                <a:cs typeface="Myriad Arabic" panose="01010101010101010101" pitchFamily="50" charset="-78"/>
-              </a:rPr>
-              <a:t>A Survey of Techniques for Fine-Grained Pill Image Matching</a:t>
-            </a:r>
-          </a:p>
-        </p:txBody>
-      </p:sp>
-      <p:sp>
-        <p:nvSpPr>
-          <p:cNvPr id="6" name="TextBox 5"/>
-          <p:cNvSpPr txBox="1"/>
-          <p:nvPr/>
-        </p:nvSpPr>
-        <p:spPr>
-          <a:xfrm>
-            <a:off x="8014208" y="1832026"/>
-            <a:ext cx="6266688" cy="923330"/>
+              <a:rPr lang="en-US" sz="3600" dirty="0"/>
+              <a:t>New Pairs</a:t>
+            </a:r>
+          </a:p>
+        </p:txBody>
+      </p:sp>
+      <p:cxnSp>
+        <p:nvCxnSpPr>
+          <p:cNvPr id="3" name="Elbow Connector 2"/>
+          <p:cNvCxnSpPr>
+            <a:stCxn id="95" idx="0"/>
+            <a:endCxn id="96" idx="1"/>
+          </p:cNvCxnSpPr>
+          <p:nvPr/>
+        </p:nvCxnSpPr>
+        <p:spPr>
+          <a:xfrm rot="5400000" flipH="1" flipV="1">
+            <a:off x="19492511" y="24234173"/>
+            <a:ext cx="542861" cy="433170"/>
+          </a:xfrm>
+          <a:prstGeom prst="bentConnector2">
+            <a:avLst/>
+          </a:prstGeom>
+          <a:ln w="76200">
+            <a:solidFill>
+              <a:srgbClr val="005F86"/>
+            </a:solidFill>
+            <a:tailEnd type="triangle"/>
+          </a:ln>
+        </p:spPr>
+        <p:style>
+          <a:lnRef idx="1">
+            <a:schemeClr val="accent1"/>
+          </a:lnRef>
+          <a:fillRef idx="0">
+            <a:schemeClr val="accent1"/>
+          </a:fillRef>
+          <a:effectRef idx="0">
+            <a:schemeClr val="accent1"/>
+          </a:effectRef>
+          <a:fontRef idx="minor">
+            <a:schemeClr val="tx1"/>
+          </a:fontRef>
+        </p:style>
+      </p:cxnSp>
+      <p:sp>
+        <p:nvSpPr>
+          <p:cNvPr id="99" name="Rectangle 98"/>
+          <p:cNvSpPr/>
+          <p:nvPr/>
+        </p:nvSpPr>
+        <p:spPr>
+          <a:xfrm>
+            <a:off x="21564600" y="24722188"/>
+            <a:ext cx="1787409" cy="661174"/>
           </a:xfrm>
           <a:prstGeom prst="rect">
             <a:avLst/>
           </a:prstGeom>
-          <a:noFill/>
-        </p:spPr>
-        <p:txBody>
-          <a:bodyPr wrap="square" rtlCol="0">
-            <a:spAutoFit/>
-          </a:bodyPr>
+          <a:solidFill>
+            <a:srgbClr val="005F86"/>
+          </a:solidFill>
+          <a:ln>
+            <a:noFill/>
+          </a:ln>
+        </p:spPr>
+        <p:style>
+          <a:lnRef idx="2">
+            <a:schemeClr val="accent1">
+              <a:shade val="50000"/>
+            </a:schemeClr>
+          </a:lnRef>
+          <a:fillRef idx="1">
+            <a:schemeClr val="accent1"/>
+          </a:fillRef>
+          <a:effectRef idx="0">
+            <a:schemeClr val="accent1"/>
+          </a:effectRef>
+          <a:fontRef idx="minor">
+            <a:schemeClr val="lt1"/>
+          </a:fontRef>
+        </p:style>
+        <p:txBody>
+          <a:bodyPr rtlCol="0" anchor="ctr"/>
           <a:lstStyle/>
           <a:p>
             <a:pPr algn="ctr"/>
             <a:r>
-              <a:rPr lang="en-US" sz="5400" dirty="0">
-                <a:latin typeface="Myriad Pro" panose="020B0503030403020204" pitchFamily="34" charset="0"/>
-                <a:cs typeface="Myriad Arabic" panose="01010101010101010101" pitchFamily="50" charset="-78"/>
-              </a:rPr>
-              <a:t>Adam Allevato</a:t>
-            </a:r>
-          </a:p>
-        </p:txBody>
-      </p:sp>
-      <p:sp>
-        <p:nvSpPr>
-          <p:cNvPr id="7" name="TextBox 6"/>
-          <p:cNvSpPr txBox="1"/>
-          <p:nvPr/>
-        </p:nvSpPr>
-        <p:spPr>
-          <a:xfrm>
-            <a:off x="22295104" y="1832026"/>
-            <a:ext cx="6266688" cy="923330"/>
-          </a:xfrm>
-          <a:prstGeom prst="rect">
-            <a:avLst/>
-          </a:prstGeom>
-          <a:noFill/>
-        </p:spPr>
-        <p:txBody>
-          <a:bodyPr wrap="square" rtlCol="0">
-            <a:spAutoFit/>
-          </a:bodyPr>
-          <a:lstStyle/>
-          <a:p>
-            <a:pPr algn="ctr"/>
-            <a:r>
-              <a:rPr lang="en-US" sz="5400" dirty="0">
-                <a:latin typeface="Myriad Pro" panose="020B0503030403020204" pitchFamily="34" charset="0"/>
-                <a:cs typeface="Myriad Arabic" panose="01010101010101010101" pitchFamily="50" charset="-78"/>
-              </a:rPr>
-              <a:t>Andrew Sharp</a:t>
-            </a:r>
-          </a:p>
-        </p:txBody>
-      </p:sp>
-      <p:sp>
-        <p:nvSpPr>
-          <p:cNvPr id="8" name="TextBox 7"/>
-          <p:cNvSpPr txBox="1"/>
-          <p:nvPr/>
-        </p:nvSpPr>
-        <p:spPr>
-          <a:xfrm>
-            <a:off x="13249096" y="2553402"/>
-            <a:ext cx="10096096" cy="923330"/>
-          </a:xfrm>
-          <a:prstGeom prst="rect">
-            <a:avLst/>
-          </a:prstGeom>
-          <a:noFill/>
-        </p:spPr>
-        <p:txBody>
-          <a:bodyPr wrap="square" rtlCol="0">
-            <a:spAutoFit/>
-          </a:bodyPr>
-          <a:lstStyle/>
-          <a:p>
-            <a:pPr algn="ctr"/>
-            <a:r>
-              <a:rPr lang="en-US" sz="5400" dirty="0">
-                <a:latin typeface="Myriad Pro" panose="020B0503030403020204" pitchFamily="34" charset="0"/>
-                <a:cs typeface="Myriad Arabic" panose="01010101010101010101" pitchFamily="50" charset="-78"/>
-              </a:rPr>
-              <a:t>The University of Texas at Austin</a:t>
-            </a:r>
-          </a:p>
-        </p:txBody>
-      </p:sp>
+              <a:rPr lang="en-US" sz="3600" dirty="0"/>
+              <a:t>Matches</a:t>
+            </a:r>
+          </a:p>
+        </p:txBody>
+      </p:sp>
+      <p:cxnSp>
+        <p:nvCxnSpPr>
+          <p:cNvPr id="103" name="Elbow Connector 102"/>
+          <p:cNvCxnSpPr>
+            <a:stCxn id="96" idx="3"/>
+            <a:endCxn id="99" idx="0"/>
+          </p:cNvCxnSpPr>
+          <p:nvPr/>
+        </p:nvCxnSpPr>
+        <p:spPr>
+          <a:xfrm>
+            <a:off x="22053013" y="24179327"/>
+            <a:ext cx="405292" cy="542861"/>
+          </a:xfrm>
+          <a:prstGeom prst="bentConnector2">
+            <a:avLst/>
+          </a:prstGeom>
+          <a:ln w="76200">
+            <a:solidFill>
+              <a:srgbClr val="005F86"/>
+            </a:solidFill>
+            <a:tailEnd type="triangle"/>
+          </a:ln>
+        </p:spPr>
+        <p:style>
+          <a:lnRef idx="1">
+            <a:schemeClr val="accent1"/>
+          </a:lnRef>
+          <a:fillRef idx="0">
+            <a:schemeClr val="accent1"/>
+          </a:fillRef>
+          <a:effectRef idx="0">
+            <a:schemeClr val="accent1"/>
+          </a:effectRef>
+          <a:fontRef idx="minor">
+            <a:schemeClr val="tx1"/>
+          </a:fontRef>
+        </p:style>
+      </p:cxnSp>
+      <p:cxnSp>
+        <p:nvCxnSpPr>
+          <p:cNvPr id="106" name="Elbow Connector 105"/>
+          <p:cNvCxnSpPr>
+            <a:stCxn id="99" idx="2"/>
+            <a:endCxn id="98" idx="3"/>
+          </p:cNvCxnSpPr>
+          <p:nvPr/>
+        </p:nvCxnSpPr>
+        <p:spPr>
+          <a:xfrm rot="5400000">
+            <a:off x="21930986" y="25469743"/>
+            <a:ext cx="613700" cy="440939"/>
+          </a:xfrm>
+          <a:prstGeom prst="bentConnector2">
+            <a:avLst/>
+          </a:prstGeom>
+          <a:ln w="76200">
+            <a:solidFill>
+              <a:srgbClr val="005F86"/>
+            </a:solidFill>
+            <a:tailEnd type="triangle"/>
+          </a:ln>
+        </p:spPr>
+        <p:style>
+          <a:lnRef idx="1">
+            <a:schemeClr val="accent1"/>
+          </a:lnRef>
+          <a:fillRef idx="0">
+            <a:schemeClr val="accent1"/>
+          </a:fillRef>
+          <a:effectRef idx="0">
+            <a:schemeClr val="accent1"/>
+          </a:effectRef>
+          <a:fontRef idx="minor">
+            <a:schemeClr val="tx1"/>
+          </a:fontRef>
+        </p:style>
+      </p:cxnSp>
+      <p:cxnSp>
+        <p:nvCxnSpPr>
+          <p:cNvPr id="109" name="Elbow Connector 108"/>
+          <p:cNvCxnSpPr>
+            <a:stCxn id="98" idx="1"/>
+            <a:endCxn id="95" idx="2"/>
+          </p:cNvCxnSpPr>
+          <p:nvPr/>
+        </p:nvCxnSpPr>
+        <p:spPr>
+          <a:xfrm rot="10800000">
+            <a:off x="19547357" y="25383362"/>
+            <a:ext cx="397523" cy="613700"/>
+          </a:xfrm>
+          <a:prstGeom prst="bentConnector2">
+            <a:avLst/>
+          </a:prstGeom>
+          <a:ln w="76200">
+            <a:solidFill>
+              <a:srgbClr val="005F86"/>
+            </a:solidFill>
+            <a:tailEnd type="triangle"/>
+          </a:ln>
+        </p:spPr>
+        <p:style>
+          <a:lnRef idx="1">
+            <a:schemeClr val="accent1"/>
+          </a:lnRef>
+          <a:fillRef idx="0">
+            <a:schemeClr val="accent1"/>
+          </a:fillRef>
+          <a:effectRef idx="0">
+            <a:schemeClr val="accent1"/>
+          </a:effectRef>
+          <a:fontRef idx="minor">
+            <a:schemeClr val="tx1"/>
+          </a:fontRef>
+        </p:style>
+      </p:cxnSp>
     </p:spTree>
     <p:extLst>
       <p:ext uri="{BB962C8B-B14F-4D97-AF65-F5344CB8AC3E}">
-        <p14:creationId xmlns:p14="http://schemas.microsoft.com/office/powerpoint/2010/main" val="4088963068"/>
+        <p14:creationId xmlns:p14="http://schemas.microsoft.com/office/powerpoint/2010/main" val="1111522790"/>
       </p:ext>
     </p:extLst>
   </p:cSld>
